--- a/static/aulas/vias_fermentativas_gliconeogenese_glicogenese _glicogenolise.pptx
+++ b/static/aulas/vias_fermentativas_gliconeogenese_glicogenese _glicogenolise.pptx
@@ -287,7 +287,7 @@
           <a:p>
             <a:fld id="{E3BCEED8-149E-406E-B91A-7F4F3B181D0A}" type="datetimeFigureOut">
               <a:rPr lang="pt-BR" smtClean="0"/>
-              <a:t>23/11/2022</a:t>
+              <a:t>30/05/2023</a:t>
             </a:fld>
             <a:endParaRPr lang="pt-BR"/>
           </a:p>
@@ -485,7 +485,7 @@
           <a:p>
             <a:fld id="{E3BCEED8-149E-406E-B91A-7F4F3B181D0A}" type="datetimeFigureOut">
               <a:rPr lang="pt-BR" smtClean="0"/>
-              <a:t>23/11/2022</a:t>
+              <a:t>30/05/2023</a:t>
             </a:fld>
             <a:endParaRPr lang="pt-BR"/>
           </a:p>
@@ -693,7 +693,7 @@
           <a:p>
             <a:fld id="{E3BCEED8-149E-406E-B91A-7F4F3B181D0A}" type="datetimeFigureOut">
               <a:rPr lang="pt-BR" smtClean="0"/>
-              <a:t>23/11/2022</a:t>
+              <a:t>30/05/2023</a:t>
             </a:fld>
             <a:endParaRPr lang="pt-BR"/>
           </a:p>
@@ -913,7 +913,7 @@
           <a:p>
             <a:fld id="{E3BCEED8-149E-406E-B91A-7F4F3B181D0A}" type="datetimeFigureOut">
               <a:rPr lang="pt-BR" smtClean="0"/>
-              <a:t>23/11/2022</a:t>
+              <a:t>30/05/2023</a:t>
             </a:fld>
             <a:endParaRPr lang="pt-BR"/>
           </a:p>
@@ -1111,7 +1111,7 @@
           <a:p>
             <a:fld id="{E3BCEED8-149E-406E-B91A-7F4F3B181D0A}" type="datetimeFigureOut">
               <a:rPr lang="pt-BR" smtClean="0"/>
-              <a:t>23/11/2022</a:t>
+              <a:t>30/05/2023</a:t>
             </a:fld>
             <a:endParaRPr lang="pt-BR"/>
           </a:p>
@@ -1386,7 +1386,7 @@
           <a:p>
             <a:fld id="{E3BCEED8-149E-406E-B91A-7F4F3B181D0A}" type="datetimeFigureOut">
               <a:rPr lang="pt-BR" smtClean="0"/>
-              <a:t>23/11/2022</a:t>
+              <a:t>30/05/2023</a:t>
             </a:fld>
             <a:endParaRPr lang="pt-BR"/>
           </a:p>
@@ -1651,7 +1651,7 @@
           <a:p>
             <a:fld id="{E3BCEED8-149E-406E-B91A-7F4F3B181D0A}" type="datetimeFigureOut">
               <a:rPr lang="pt-BR" smtClean="0"/>
-              <a:t>23/11/2022</a:t>
+              <a:t>30/05/2023</a:t>
             </a:fld>
             <a:endParaRPr lang="pt-BR"/>
           </a:p>
@@ -2063,7 +2063,7 @@
           <a:p>
             <a:fld id="{E3BCEED8-149E-406E-B91A-7F4F3B181D0A}" type="datetimeFigureOut">
               <a:rPr lang="pt-BR" smtClean="0"/>
-              <a:t>23/11/2022</a:t>
+              <a:t>30/05/2023</a:t>
             </a:fld>
             <a:endParaRPr lang="pt-BR"/>
           </a:p>
@@ -2204,7 +2204,7 @@
           <a:p>
             <a:fld id="{E3BCEED8-149E-406E-B91A-7F4F3B181D0A}" type="datetimeFigureOut">
               <a:rPr lang="pt-BR" smtClean="0"/>
-              <a:t>23/11/2022</a:t>
+              <a:t>30/05/2023</a:t>
             </a:fld>
             <a:endParaRPr lang="pt-BR"/>
           </a:p>
@@ -2317,7 +2317,7 @@
           <a:p>
             <a:fld id="{E3BCEED8-149E-406E-B91A-7F4F3B181D0A}" type="datetimeFigureOut">
               <a:rPr lang="pt-BR" smtClean="0"/>
-              <a:t>23/11/2022</a:t>
+              <a:t>30/05/2023</a:t>
             </a:fld>
             <a:endParaRPr lang="pt-BR"/>
           </a:p>
@@ -2628,7 +2628,7 @@
           <a:p>
             <a:fld id="{E3BCEED8-149E-406E-B91A-7F4F3B181D0A}" type="datetimeFigureOut">
               <a:rPr lang="pt-BR" smtClean="0"/>
-              <a:t>23/11/2022</a:t>
+              <a:t>30/05/2023</a:t>
             </a:fld>
             <a:endParaRPr lang="pt-BR"/>
           </a:p>
@@ -2826,7 +2826,7 @@
           <a:p>
             <a:fld id="{E3BCEED8-149E-406E-B91A-7F4F3B181D0A}" type="datetimeFigureOut">
               <a:rPr lang="pt-BR" smtClean="0"/>
-              <a:t>23/11/2022</a:t>
+              <a:t>30/05/2023</a:t>
             </a:fld>
             <a:endParaRPr lang="pt-BR"/>
           </a:p>
@@ -3114,7 +3114,7 @@
           <a:p>
             <a:fld id="{E3BCEED8-149E-406E-B91A-7F4F3B181D0A}" type="datetimeFigureOut">
               <a:rPr lang="pt-BR" smtClean="0"/>
-              <a:t>23/11/2022</a:t>
+              <a:t>30/05/2023</a:t>
             </a:fld>
             <a:endParaRPr lang="pt-BR"/>
           </a:p>
@@ -3312,7 +3312,7 @@
           <a:p>
             <a:fld id="{E3BCEED8-149E-406E-B91A-7F4F3B181D0A}" type="datetimeFigureOut">
               <a:rPr lang="pt-BR" smtClean="0"/>
-              <a:t>23/11/2022</a:t>
+              <a:t>30/05/2023</a:t>
             </a:fld>
             <a:endParaRPr lang="pt-BR"/>
           </a:p>
@@ -3520,7 +3520,7 @@
           <a:p>
             <a:fld id="{E3BCEED8-149E-406E-B91A-7F4F3B181D0A}" type="datetimeFigureOut">
               <a:rPr lang="pt-BR" smtClean="0"/>
-              <a:t>23/11/2022</a:t>
+              <a:t>30/05/2023</a:t>
             </a:fld>
             <a:endParaRPr lang="pt-BR"/>
           </a:p>
@@ -3795,7 +3795,7 @@
           <a:p>
             <a:fld id="{E3BCEED8-149E-406E-B91A-7F4F3B181D0A}" type="datetimeFigureOut">
               <a:rPr lang="pt-BR" smtClean="0"/>
-              <a:t>23/11/2022</a:t>
+              <a:t>30/05/2023</a:t>
             </a:fld>
             <a:endParaRPr lang="pt-BR"/>
           </a:p>
@@ -4060,7 +4060,7 @@
           <a:p>
             <a:fld id="{E3BCEED8-149E-406E-B91A-7F4F3B181D0A}" type="datetimeFigureOut">
               <a:rPr lang="pt-BR" smtClean="0"/>
-              <a:t>23/11/2022</a:t>
+              <a:t>30/05/2023</a:t>
             </a:fld>
             <a:endParaRPr lang="pt-BR"/>
           </a:p>
@@ -4472,7 +4472,7 @@
           <a:p>
             <a:fld id="{E3BCEED8-149E-406E-B91A-7F4F3B181D0A}" type="datetimeFigureOut">
               <a:rPr lang="pt-BR" smtClean="0"/>
-              <a:t>23/11/2022</a:t>
+              <a:t>30/05/2023</a:t>
             </a:fld>
             <a:endParaRPr lang="pt-BR"/>
           </a:p>
@@ -4613,7 +4613,7 @@
           <a:p>
             <a:fld id="{E3BCEED8-149E-406E-B91A-7F4F3B181D0A}" type="datetimeFigureOut">
               <a:rPr lang="pt-BR" smtClean="0"/>
-              <a:t>23/11/2022</a:t>
+              <a:t>30/05/2023</a:t>
             </a:fld>
             <a:endParaRPr lang="pt-BR"/>
           </a:p>
@@ -4726,7 +4726,7 @@
           <a:p>
             <a:fld id="{E3BCEED8-149E-406E-B91A-7F4F3B181D0A}" type="datetimeFigureOut">
               <a:rPr lang="pt-BR" smtClean="0"/>
-              <a:t>23/11/2022</a:t>
+              <a:t>30/05/2023</a:t>
             </a:fld>
             <a:endParaRPr lang="pt-BR"/>
           </a:p>
@@ -5037,7 +5037,7 @@
           <a:p>
             <a:fld id="{E3BCEED8-149E-406E-B91A-7F4F3B181D0A}" type="datetimeFigureOut">
               <a:rPr lang="pt-BR" smtClean="0"/>
-              <a:t>23/11/2022</a:t>
+              <a:t>30/05/2023</a:t>
             </a:fld>
             <a:endParaRPr lang="pt-BR"/>
           </a:p>
@@ -5325,7 +5325,7 @@
           <a:p>
             <a:fld id="{E3BCEED8-149E-406E-B91A-7F4F3B181D0A}" type="datetimeFigureOut">
               <a:rPr lang="pt-BR" smtClean="0"/>
-              <a:t>23/11/2022</a:t>
+              <a:t>30/05/2023</a:t>
             </a:fld>
             <a:endParaRPr lang="pt-BR"/>
           </a:p>
@@ -5572,7 +5572,7 @@
           <a:p>
             <a:fld id="{E3BCEED8-149E-406E-B91A-7F4F3B181D0A}" type="datetimeFigureOut">
               <a:rPr lang="pt-BR" smtClean="0"/>
-              <a:t>23/11/2022</a:t>
+              <a:t>30/05/2023</a:t>
             </a:fld>
             <a:endParaRPr lang="pt-BR"/>
           </a:p>
@@ -6146,7 +6146,7 @@
           <a:p>
             <a:fld id="{E3BCEED8-149E-406E-B91A-7F4F3B181D0A}" type="datetimeFigureOut">
               <a:rPr lang="pt-BR" smtClean="0"/>
-              <a:t>23/11/2022</a:t>
+              <a:t>30/05/2023</a:t>
             </a:fld>
             <a:endParaRPr lang="pt-BR"/>
           </a:p>
@@ -10045,8 +10045,8 @@
         </p:nvCxnSpPr>
         <p:spPr>
           <a:xfrm>
-            <a:off x="6955106" y="1977390"/>
-            <a:ext cx="0" cy="1744722"/>
+            <a:off x="6931115" y="3258355"/>
+            <a:ext cx="0" cy="566788"/>
           </a:xfrm>
           <a:prstGeom prst="line">
             <a:avLst/>
@@ -10169,7 +10169,7 @@
         </p:nvSpPr>
         <p:spPr>
           <a:xfrm>
-            <a:off x="4027297" y="913173"/>
+            <a:off x="4051288" y="2042689"/>
             <a:ext cx="5855617" cy="846102"/>
           </a:xfrm>
           <a:prstGeom prst="roundRect">
@@ -10859,6 +10859,143 @@
           </a:fontRef>
         </p:style>
       </p:cxnSp>
+      <p:cxnSp>
+        <p:nvCxnSpPr>
+          <p:cNvPr id="20" name="Conector reto 19">
+            <a:extLst>
+              <a:ext uri="{FF2B5EF4-FFF2-40B4-BE49-F238E27FC236}">
+                <a16:creationId xmlns:a16="http://schemas.microsoft.com/office/drawing/2014/main" id="{AD9C92A6-EA8C-4983-83C2-8223E7877DCD}"/>
+              </a:ext>
+            </a:extLst>
+          </p:cNvPr>
+          <p:cNvCxnSpPr>
+            <a:cxnSpLocks/>
+          </p:cNvCxnSpPr>
+          <p:nvPr/>
+        </p:nvCxnSpPr>
+        <p:spPr>
+          <a:xfrm>
+            <a:off x="6931115" y="1303655"/>
+            <a:ext cx="0" cy="566788"/>
+          </a:xfrm>
+          <a:prstGeom prst="line">
+            <a:avLst/>
+          </a:prstGeom>
+          <a:ln w="76200">
+            <a:solidFill>
+              <a:schemeClr val="bg1"/>
+            </a:solidFill>
+            <a:headEnd type="none" w="med" len="med"/>
+            <a:tailEnd type="triangle" w="med" len="med"/>
+          </a:ln>
+        </p:spPr>
+        <p:style>
+          <a:lnRef idx="1">
+            <a:schemeClr val="accent1"/>
+          </a:lnRef>
+          <a:fillRef idx="0">
+            <a:schemeClr val="accent1"/>
+          </a:fillRef>
+          <a:effectRef idx="0">
+            <a:schemeClr val="accent1"/>
+          </a:effectRef>
+          <a:fontRef idx="minor">
+            <a:schemeClr val="tx1"/>
+          </a:fontRef>
+        </p:style>
+      </p:cxnSp>
+      <p:sp>
+        <p:nvSpPr>
+          <p:cNvPr id="22" name="Retângulo: Cantos Arredondados 21">
+            <a:extLst>
+              <a:ext uri="{FF2B5EF4-FFF2-40B4-BE49-F238E27FC236}">
+                <a16:creationId xmlns:a16="http://schemas.microsoft.com/office/drawing/2014/main" id="{45CF0A95-D7FF-4ACB-8CCF-7CED39C71FA7}"/>
+              </a:ext>
+            </a:extLst>
+          </p:cNvPr>
+          <p:cNvSpPr/>
+          <p:nvPr/>
+        </p:nvSpPr>
+        <p:spPr>
+          <a:xfrm>
+            <a:off x="4027297" y="191020"/>
+            <a:ext cx="5855617" cy="846102"/>
+          </a:xfrm>
+          <a:prstGeom prst="roundRect">
+            <a:avLst/>
+          </a:prstGeom>
+          <a:solidFill>
+            <a:schemeClr val="tx1">
+              <a:lumMod val="65000"/>
+              <a:lumOff val="35000"/>
+            </a:schemeClr>
+          </a:solidFill>
+          <a:ln w="76200">
+            <a:solidFill>
+              <a:schemeClr val="bg1"/>
+            </a:solidFill>
+          </a:ln>
+        </p:spPr>
+        <p:style>
+          <a:lnRef idx="2">
+            <a:schemeClr val="accent1">
+              <a:shade val="50000"/>
+            </a:schemeClr>
+          </a:lnRef>
+          <a:fillRef idx="1">
+            <a:schemeClr val="accent1"/>
+          </a:fillRef>
+          <a:effectRef idx="0">
+            <a:schemeClr val="accent1"/>
+          </a:effectRef>
+          <a:fontRef idx="minor">
+            <a:schemeClr val="lt1"/>
+          </a:fontRef>
+        </p:style>
+        <p:txBody>
+          <a:bodyPr rtlCol="0" anchor="ctr"/>
+          <a:lstStyle/>
+          <a:p>
+            <a:pPr marL="0" marR="0" lvl="0" indent="0" algn="ctr" defTabSz="914400" rtl="0" eaLnBrk="1" fontAlgn="auto" latinLnBrk="0" hangingPunct="1">
+              <a:lnSpc>
+                <a:spcPct val="100000"/>
+              </a:lnSpc>
+              <a:spcBef>
+                <a:spcPts val="0"/>
+              </a:spcBef>
+              <a:spcAft>
+                <a:spcPts val="0"/>
+              </a:spcAft>
+              <a:buClrTx/>
+              <a:buSzTx/>
+              <a:buFontTx/>
+              <a:buNone/>
+              <a:tabLst/>
+              <a:defRPr/>
+            </a:pPr>
+            <a:r>
+              <a:rPr kumimoji="0" lang="pt-BR" sz="3600" b="1" i="0" u="none" strike="noStrike" kern="1200" cap="none" spc="0" normalizeH="0" baseline="0" noProof="0" dirty="0">
+                <a:ln>
+                  <a:noFill/>
+                </a:ln>
+                <a:solidFill>
+                  <a:srgbClr val="FFC000">
+                    <a:lumMod val="40000"/>
+                    <a:lumOff val="60000"/>
+                  </a:srgbClr>
+                </a:solidFill>
+                <a:effectLst/>
+                <a:uLnTx/>
+                <a:uFillTx/>
+                <a:latin typeface="Times New Roman" panose="02020603050405020304" pitchFamily="18" charset="0"/>
+                <a:ea typeface="+mn-ea"/>
+                <a:cs typeface="Times New Roman" panose="02020603050405020304" pitchFamily="18" charset="0"/>
+              </a:rPr>
+              <a:t>Triglicerídeos</a:t>
+            </a:r>
+          </a:p>
+        </p:txBody>
+      </p:sp>
     </p:spTree>
     <p:extLst>
       <p:ext uri="{BB962C8B-B14F-4D97-AF65-F5344CB8AC3E}">
